--- a/Pitching_day.pptx
+++ b/Pitching_day.pptx
@@ -107,6 +107,11 @@
       </a:defRPr>
     </a:lvl9pPr>
   </p:defaultTextStyle>
+  <p:extLst>
+    <p:ext uri="{EFAFB233-063F-42B5-8137-9DF3F51BA10A}">
+      <p15:sldGuideLst xmlns:p15="http://schemas.microsoft.com/office/powerpoint/2012/main"/>
+    </p:ext>
+  </p:extLst>
 </p:presentation>
 </file>
 
@@ -1359,7 +1364,7 @@
         </p:nvSpPr>
         <p:spPr>
           <a:xfrm>
-            <a:off x="4343530" y="422536"/>
+            <a:off x="4528201" y="726317"/>
             <a:ext cx="3656173" cy="738664"/>
           </a:xfrm>
           <a:prstGeom prst="rect">
@@ -1409,8 +1414,8 @@
         </p:nvSpPr>
         <p:spPr>
           <a:xfrm>
-            <a:off x="8573309" y="299426"/>
-            <a:ext cx="3088802" cy="984885"/>
+            <a:off x="8942653" y="360983"/>
+            <a:ext cx="3088802" cy="861774"/>
           </a:xfrm>
           <a:prstGeom prst="rect">
             <a:avLst/>
@@ -1424,7 +1429,7 @@
           <a:lstStyle/>
           <a:p>
             <a:r>
-              <a:rPr lang="en-GB" altLang="zh-TW" sz="1600" b="0" i="0" dirty="0">
+              <a:rPr lang="en-GB" altLang="zh-TW" sz="1400" b="0" i="0" dirty="0">
                 <a:solidFill>
                   <a:srgbClr val="1D2125"/>
                 </a:solidFill>
@@ -1437,7 +1442,7 @@
           </a:p>
           <a:p>
             <a:r>
-              <a:rPr lang="en-GB" altLang="zh-TW" sz="1600" b="0" i="0" dirty="0">
+              <a:rPr lang="en-GB" altLang="zh-TW" sz="1400" b="0" i="0" dirty="0">
                 <a:solidFill>
                   <a:srgbClr val="1D2125"/>
                 </a:solidFill>
@@ -1450,7 +1455,7 @@
           </a:p>
           <a:p>
             <a:r>
-              <a:rPr lang="en-GB" altLang="zh-TW" sz="1600" b="0" i="0" dirty="0">
+              <a:rPr lang="en-GB" altLang="zh-TW" sz="1400" b="0" i="0" dirty="0">
                 <a:solidFill>
                   <a:srgbClr val="1D2125"/>
                 </a:solidFill>
@@ -1463,7 +1468,7 @@
           </a:p>
           <a:p>
             <a:r>
-              <a:rPr lang="en-GB" altLang="zh-TW" sz="1600" b="0" i="0" dirty="0">
+              <a:rPr lang="en-GB" altLang="zh-TW" sz="1400" b="0" i="0" dirty="0">
                 <a:solidFill>
                   <a:srgbClr val="1D2125"/>
                 </a:solidFill>
@@ -1471,29 +1476,7 @@
                 <a:latin typeface="Times New Roman" panose="02020603050405020304" pitchFamily="18" charset="0"/>
                 <a:cs typeface="Times New Roman" panose="02020603050405020304" pitchFamily="18" charset="0"/>
               </a:rPr>
-              <a:t>2785563F  </a:t>
-            </a:r>
-            <a:r>
-              <a:rPr lang="en-GB" altLang="zh-TW" sz="1600" b="0" i="0" dirty="0" err="1">
-                <a:solidFill>
-                  <a:srgbClr val="1D2125"/>
-                </a:solidFill>
-                <a:effectLst/>
-                <a:latin typeface="Times New Roman" panose="02020603050405020304" pitchFamily="18" charset="0"/>
-                <a:cs typeface="Times New Roman" panose="02020603050405020304" pitchFamily="18" charset="0"/>
-              </a:rPr>
-              <a:t>Qiushi</a:t>
-            </a:r>
-            <a:r>
-              <a:rPr lang="en-GB" altLang="zh-TW" sz="1600" b="0" i="0" dirty="0">
-                <a:solidFill>
-                  <a:srgbClr val="1D2125"/>
-                </a:solidFill>
-                <a:effectLst/>
-                <a:latin typeface="Times New Roman" panose="02020603050405020304" pitchFamily="18" charset="0"/>
-                <a:cs typeface="Times New Roman" panose="02020603050405020304" pitchFamily="18" charset="0"/>
-              </a:rPr>
-              <a:t> Feng </a:t>
+              <a:t>2785563F  Qiushi Feng </a:t>
             </a:r>
           </a:p>
         </p:txBody>
@@ -1614,7 +1597,7 @@
                   </a:spcAft>
                 </a:pPr>
                 <a:r>
-                  <a:rPr lang="en-GB" altLang="zh-CN" sz="1200" dirty="0">
+                  <a:rPr lang="en-GB" altLang="zh-CN" sz="1400" dirty="0">
                     <a:solidFill>
                       <a:srgbClr val="000000"/>
                     </a:solidFill>
@@ -1639,7 +1622,7 @@
                   </a:spcAft>
                 </a:pPr>
                 <a:r>
-                  <a:rPr lang="it-IT" altLang="zh-CN" sz="1200" dirty="0">
+                  <a:rPr lang="it-IT" altLang="zh-CN" sz="1400" dirty="0">
                     <a:solidFill>
                       <a:srgbClr val="000000"/>
                     </a:solidFill>
@@ -1664,7 +1647,7 @@
                   </a:spcAft>
                 </a:pPr>
                 <a:r>
-                  <a:rPr lang="it-IT" altLang="zh-CN" sz="1200" dirty="0">
+                  <a:rPr lang="it-IT" altLang="zh-CN" sz="1400" dirty="0">
                     <a:solidFill>
                       <a:srgbClr val="000000"/>
                     </a:solidFill>
@@ -1701,7 +1684,7 @@
             </p:spPr>
             <p:txBody>
               <a:bodyPr wrap="none" lIns="0" tIns="0" rIns="0" bIns="0">
-                <a:normAutofit/>
+                <a:noAutofit/>
               </a:bodyPr>
               <a:lstStyle/>
               <a:p>
@@ -1714,7 +1697,7 @@
                   </a:spcAft>
                 </a:pPr>
                 <a:r>
-                  <a:rPr lang="en-US" altLang="zh-CN" sz="2000" b="1" dirty="0">
+                  <a:rPr lang="en-US" altLang="zh-CN" sz="2400" b="1" dirty="0">
                     <a:latin typeface="Times New Roman" panose="02020603050405020304" pitchFamily="18" charset="0"/>
                     <a:ea typeface="微软雅黑"/>
                     <a:cs typeface="Times New Roman" panose="02020603050405020304" pitchFamily="18" charset="0"/>
@@ -1722,7 +1705,7 @@
                   </a:rPr>
                   <a:t>Specifications</a:t>
                 </a:r>
-                <a:endParaRPr lang="zh-CN" altLang="en-US" sz="2000" b="1" dirty="0">
+                <a:endParaRPr lang="zh-CN" altLang="en-US" sz="2400" b="1" dirty="0">
                   <a:latin typeface="Times New Roman" panose="02020603050405020304" pitchFamily="18" charset="0"/>
                   <a:ea typeface="微软雅黑"/>
                   <a:cs typeface="Times New Roman" panose="02020603050405020304" pitchFamily="18" charset="0"/>
@@ -1776,7 +1759,7 @@
             </p:spPr>
             <p:txBody>
               <a:bodyPr wrap="square" lIns="0" tIns="0" rIns="0" bIns="0">
-                <a:normAutofit/>
+                <a:noAutofit/>
               </a:bodyPr>
               <a:lstStyle/>
               <a:p>
@@ -1792,31 +1775,49 @@
                   </a:spcAft>
                 </a:pPr>
                 <a:r>
-                  <a:rPr lang="en-US" altLang="zh-TW" sz="1200" b="0" i="0" dirty="0">
-                    <a:effectLst/>
-                    <a:latin typeface="Times New Roman" panose="02020603050405020304" pitchFamily="18" charset="0"/>
-                    <a:cs typeface="Times New Roman" panose="02020603050405020304" pitchFamily="18" charset="0"/>
-                  </a:rPr>
-                  <a:t>Around £</a:t>
-                </a:r>
-                <a:r>
-                  <a:rPr lang="en-US" altLang="zh-TW" sz="1200" b="0" i="0" dirty="0">
-                    <a:effectLst/>
+                  <a:rPr lang="en-GB" altLang="zh-CN" sz="1400" dirty="0">
+                    <a:solidFill>
+                      <a:srgbClr val="000000"/>
+                    </a:solidFill>
                     <a:latin typeface="Times New Roman" panose="02020603050405020304" pitchFamily="18" charset="0"/>
                     <a:ea typeface="微软雅黑"/>
                     <a:cs typeface="Times New Roman" panose="02020603050405020304" pitchFamily="18" charset="0"/>
                     <a:sym typeface="+mn-lt"/>
                   </a:rPr>
-                  <a:t>6</a:t>
+                  <a:t>Raspberry Pi and Modules: </a:t>
                 </a:r>
                 <a:r>
-                  <a:rPr lang="en-US" altLang="zh-CN" sz="1200" dirty="0">
+                  <a:rPr lang="en-US" altLang="zh-TW" sz="1400" b="0" i="0" dirty="0">
+                    <a:effectLst/>
                     <a:latin typeface="Times New Roman" panose="02020603050405020304" pitchFamily="18" charset="0"/>
-                    <a:ea typeface="微软雅黑"/>
                     <a:cs typeface="Times New Roman" panose="02020603050405020304" pitchFamily="18" charset="0"/>
-                    <a:sym typeface="+mn-lt"/>
                   </a:rPr>
-                  <a:t>0</a:t>
+                  <a:t>£50</a:t>
+                </a:r>
+                <a:endParaRPr lang="en-US" altLang="zh-TW" sz="1400" dirty="0">
+                  <a:latin typeface="Times New Roman" panose="02020603050405020304" pitchFamily="18" charset="0"/>
+                  <a:cs typeface="Times New Roman" panose="02020603050405020304" pitchFamily="18" charset="0"/>
+                </a:endParaRPr>
+              </a:p>
+              <a:p>
+                <a:pPr defTabSz="1219170" fontAlgn="base">
+                  <a:lnSpc>
+                    <a:spcPct val="120000"/>
+                  </a:lnSpc>
+                  <a:spcBef>
+                    <a:spcPct val="0"/>
+                  </a:spcBef>
+                  <a:spcAft>
+                    <a:spcPct val="0"/>
+                  </a:spcAft>
+                </a:pPr>
+                <a:r>
+                  <a:rPr lang="en-US" altLang="zh-TW" sz="1400" b="0" i="0" dirty="0">
+                    <a:effectLst/>
+                    <a:latin typeface="Times New Roman" panose="02020603050405020304" pitchFamily="18" charset="0"/>
+                    <a:cs typeface="Times New Roman" panose="02020603050405020304" pitchFamily="18" charset="0"/>
+                  </a:rPr>
+                  <a:t>Car: £10</a:t>
                 </a:r>
               </a:p>
               <a:p>
@@ -1832,49 +1833,32 @@
                   </a:spcAft>
                 </a:pPr>
                 <a:r>
-                  <a:rPr lang="en-US" altLang="zh-CN" sz="1200" dirty="0">
+                  <a:rPr lang="en-US" altLang="zh-TW" sz="1400" b="0" i="0" dirty="0">
+                    <a:effectLst/>
+                    <a:latin typeface="Times New Roman" panose="02020603050405020304" pitchFamily="18" charset="0"/>
+                    <a:cs typeface="Times New Roman" panose="02020603050405020304" pitchFamily="18" charset="0"/>
+                  </a:rPr>
+                  <a:t>Total: Around £</a:t>
+                </a:r>
+                <a:r>
+                  <a:rPr lang="en-US" altLang="zh-TW" sz="1400" b="0" i="0" dirty="0">
+                    <a:effectLst/>
                     <a:latin typeface="Times New Roman" panose="02020603050405020304" pitchFamily="18" charset="0"/>
                     <a:ea typeface="微软雅黑"/>
                     <a:cs typeface="Times New Roman" panose="02020603050405020304" pitchFamily="18" charset="0"/>
                     <a:sym typeface="+mn-lt"/>
                   </a:rPr>
-                  <a:t>(</a:t>
+                  <a:t>6</a:t>
                 </a:r>
                 <a:r>
-                  <a:rPr lang="en-GB" altLang="zh-CN" sz="1200" dirty="0">
-                    <a:solidFill>
-                      <a:srgbClr val="000000"/>
-                    </a:solidFill>
+                  <a:rPr lang="en-US" altLang="zh-CN" sz="1400" dirty="0">
                     <a:latin typeface="Times New Roman" panose="02020603050405020304" pitchFamily="18" charset="0"/>
                     <a:ea typeface="微软雅黑"/>
                     <a:cs typeface="Times New Roman" panose="02020603050405020304" pitchFamily="18" charset="0"/>
                     <a:sym typeface="+mn-lt"/>
                   </a:rPr>
-                  <a:t>Raspberry Pi and Modules </a:t>
+                  <a:t>0</a:t>
                 </a:r>
-                <a:r>
-                  <a:rPr lang="en-US" altLang="zh-TW" sz="1200" b="0" i="0" dirty="0">
-                    <a:effectLst/>
-                    <a:latin typeface="Times New Roman" panose="02020603050405020304" pitchFamily="18" charset="0"/>
-                    <a:cs typeface="Times New Roman" panose="02020603050405020304" pitchFamily="18" charset="0"/>
-                  </a:rPr>
-                  <a:t>£50, Car £10</a:t>
-                </a:r>
-                <a:r>
-                  <a:rPr lang="en-US" altLang="zh-CN" sz="1200" dirty="0">
-                    <a:latin typeface="Times New Roman" panose="02020603050405020304" pitchFamily="18" charset="0"/>
-                    <a:ea typeface="微软雅黑"/>
-                    <a:cs typeface="Times New Roman" panose="02020603050405020304" pitchFamily="18" charset="0"/>
-                    <a:sym typeface="+mn-lt"/>
-                  </a:rPr>
-                  <a:t>)</a:t>
-                </a:r>
-                <a:endParaRPr lang="zh-CN" altLang="en-US" sz="1200" dirty="0">
-                  <a:latin typeface="Times New Roman" panose="02020603050405020304" pitchFamily="18" charset="0"/>
-                  <a:ea typeface="微软雅黑"/>
-                  <a:cs typeface="Times New Roman" panose="02020603050405020304" pitchFamily="18" charset="0"/>
-                  <a:sym typeface="+mn-lt"/>
-                </a:endParaRPr>
               </a:p>
             </p:txBody>
           </p:sp>
@@ -1901,7 +1885,7 @@
             </p:spPr>
             <p:txBody>
               <a:bodyPr wrap="none" lIns="0" tIns="0" rIns="0" bIns="0">
-                <a:normAutofit/>
+                <a:noAutofit/>
               </a:bodyPr>
               <a:lstStyle/>
               <a:p>
@@ -1914,7 +1898,7 @@
                   </a:spcAft>
                 </a:pPr>
                 <a:r>
-                  <a:rPr lang="en-US" altLang="zh-CN" sz="2000" b="1" dirty="0">
+                  <a:rPr lang="en-US" altLang="zh-CN" sz="2400" b="1" dirty="0">
                     <a:latin typeface="Times New Roman" panose="02020603050405020304" pitchFamily="18" charset="0"/>
                     <a:ea typeface="微软雅黑"/>
                     <a:cs typeface="Times New Roman" panose="02020603050405020304" pitchFamily="18" charset="0"/>
@@ -1922,7 +1906,7 @@
                   </a:rPr>
                   <a:t>Cost</a:t>
                 </a:r>
-                <a:endParaRPr lang="zh-CN" altLang="en-US" sz="2000" b="1" dirty="0">
+                <a:endParaRPr lang="zh-CN" altLang="en-US" sz="2400" b="1" dirty="0">
                   <a:latin typeface="Times New Roman" panose="02020603050405020304" pitchFamily="18" charset="0"/>
                   <a:ea typeface="微软雅黑"/>
                   <a:cs typeface="Times New Roman" panose="02020603050405020304" pitchFamily="18" charset="0"/>
@@ -1976,7 +1960,7 @@
             </p:spPr>
             <p:txBody>
               <a:bodyPr wrap="square" lIns="0" tIns="0" rIns="0" bIns="0">
-                <a:normAutofit/>
+                <a:noAutofit/>
               </a:bodyPr>
               <a:lstStyle/>
               <a:p>
@@ -1993,7 +1977,7 @@
                   <a:buAutoNum type="arabicPeriod"/>
                 </a:pPr>
                 <a:r>
-                  <a:rPr lang="en-US" altLang="zh-TW" sz="1200" b="0" i="0" dirty="0">
+                  <a:rPr lang="en-US" altLang="zh-TW" sz="1400" b="0" i="0" dirty="0">
                     <a:solidFill>
                       <a:srgbClr val="24292F"/>
                     </a:solidFill>
@@ -2003,7 +1987,7 @@
                   </a:rPr>
                   <a:t>Automatic follow</a:t>
                 </a:r>
-                <a:endParaRPr lang="en-US" altLang="zh-TW" sz="1200" dirty="0">
+                <a:endParaRPr lang="en-US" altLang="zh-TW" sz="1400" dirty="0">
                   <a:solidFill>
                     <a:srgbClr val="24292F"/>
                   </a:solidFill>
@@ -2027,7 +2011,7 @@
                   <a:buAutoNum type="arabicPeriod"/>
                 </a:pPr>
                 <a:r>
-                  <a:rPr lang="en-US" altLang="zh-TW" sz="1200" b="0" i="0" dirty="0">
+                  <a:rPr lang="en-US" altLang="zh-TW" sz="1400" b="0" i="0" dirty="0">
                     <a:solidFill>
                       <a:srgbClr val="24292F"/>
                     </a:solidFill>
@@ -2050,7 +2034,7 @@
                     <a:spcPct val="0"/>
                   </a:spcAft>
                 </a:pPr>
-                <a:endParaRPr lang="en-US" altLang="zh-TW" sz="1200" b="0" i="0" dirty="0">
+                <a:endParaRPr lang="en-US" altLang="zh-TW" sz="1400" b="0" i="0" dirty="0">
                   <a:solidFill>
                     <a:srgbClr val="24292F"/>
                   </a:solidFill>
@@ -2071,7 +2055,7 @@
                     <a:spcPct val="0"/>
                   </a:spcAft>
                 </a:pPr>
-                <a:endParaRPr lang="en-US" altLang="zh-TW" sz="1200" b="0" i="0" dirty="0">
+                <a:endParaRPr lang="en-US" altLang="zh-TW" sz="1400" b="0" i="0" dirty="0">
                   <a:solidFill>
                     <a:srgbClr val="24292F"/>
                   </a:solidFill>
@@ -2105,7 +2089,7 @@
             </p:spPr>
             <p:txBody>
               <a:bodyPr wrap="none" lIns="0" tIns="0" rIns="0" bIns="0">
-                <a:normAutofit/>
+                <a:noAutofit/>
               </a:bodyPr>
               <a:lstStyle/>
               <a:p>
@@ -2118,7 +2102,7 @@
                   </a:spcAft>
                 </a:pPr>
                 <a:r>
-                  <a:rPr lang="en-US" altLang="zh-CN" sz="2000" b="1" dirty="0">
+                  <a:rPr lang="en-US" altLang="zh-CN" sz="2400" b="1" dirty="0">
                     <a:latin typeface="Times New Roman" panose="02020603050405020304" pitchFamily="18" charset="0"/>
                     <a:ea typeface="微软雅黑"/>
                     <a:cs typeface="Times New Roman" panose="02020603050405020304" pitchFamily="18" charset="0"/>
@@ -2126,7 +2110,7 @@
                   </a:rPr>
                   <a:t>Extended Functions </a:t>
                 </a:r>
-                <a:endParaRPr lang="zh-CN" altLang="en-US" sz="2000" b="1" dirty="0">
+                <a:endParaRPr lang="zh-CN" altLang="en-US" sz="2400" b="1" dirty="0">
                   <a:latin typeface="Times New Roman" panose="02020603050405020304" pitchFamily="18" charset="0"/>
                   <a:ea typeface="微软雅黑"/>
                   <a:cs typeface="Times New Roman" panose="02020603050405020304" pitchFamily="18" charset="0"/>
@@ -2217,7 +2201,7 @@
                   </a:spcAft>
                 </a:pPr>
                 <a:r>
-                  <a:rPr lang="en-US" altLang="zh-TW" sz="1200" b="0" i="0" dirty="0">
+                  <a:rPr lang="en-US" altLang="zh-TW" sz="1400" b="0" i="0" dirty="0">
                     <a:solidFill>
                       <a:srgbClr val="24292F"/>
                     </a:solidFill>
@@ -2225,9 +2209,9 @@
                     <a:latin typeface="Times New Roman" panose="02020603050405020304" pitchFamily="18" charset="0"/>
                     <a:cs typeface="Times New Roman" panose="02020603050405020304" pitchFamily="18" charset="0"/>
                   </a:rPr>
-                  <a:t>A middle-sized car which includes basic functions and automatic navigation system based on Google Map</a:t>
+                  <a:t>A middle-sized car which includes basic functions and auto navigation system based on Google Map</a:t>
                 </a:r>
-                <a:endParaRPr lang="zh-CN" altLang="en-US" sz="1200" dirty="0">
+                <a:endParaRPr lang="zh-CN" altLang="en-US" sz="1400" dirty="0">
                   <a:solidFill>
                     <a:srgbClr val="000000"/>
                   </a:solidFill>
@@ -2262,7 +2246,7 @@
             </p:spPr>
             <p:txBody>
               <a:bodyPr wrap="none" lIns="0" tIns="0" rIns="0" bIns="0">
-                <a:normAutofit/>
+                <a:noAutofit/>
               </a:bodyPr>
               <a:lstStyle/>
               <a:p>
@@ -2275,7 +2259,7 @@
                   </a:spcAft>
                 </a:pPr>
                 <a:r>
-                  <a:rPr lang="en-US" altLang="zh-CN" sz="2000" b="1" dirty="0">
+                  <a:rPr lang="en-US" altLang="zh-CN" sz="2400" b="1" dirty="0">
                     <a:latin typeface="Times New Roman" panose="02020603050405020304" pitchFamily="18" charset="0"/>
                     <a:ea typeface="微软雅黑"/>
                     <a:cs typeface="Times New Roman" panose="02020603050405020304" pitchFamily="18" charset="0"/>
@@ -2283,7 +2267,7 @@
                   </a:rPr>
                   <a:t>Introduction</a:t>
                 </a:r>
-                <a:endParaRPr lang="zh-CN" altLang="en-US" sz="2000" b="1" dirty="0">
+                <a:endParaRPr lang="zh-CN" altLang="en-US" sz="2400" b="1" dirty="0">
                   <a:latin typeface="Times New Roman" panose="02020603050405020304" pitchFamily="18" charset="0"/>
                   <a:ea typeface="微软雅黑"/>
                   <a:cs typeface="Times New Roman" panose="02020603050405020304" pitchFamily="18" charset="0"/>
@@ -2308,9 +2292,9 @@
           <p:grpSpPr>
             <a:xfrm>
               <a:off x="1193500" y="2815545"/>
-              <a:ext cx="3761195" cy="815608"/>
+              <a:ext cx="3949465" cy="815608"/>
               <a:chOff x="1317257" y="1824875"/>
-              <a:chExt cx="3761195" cy="815608"/>
+              <a:chExt cx="3949465" cy="815608"/>
             </a:xfrm>
           </p:grpSpPr>
           <p:sp>
@@ -2328,7 +2312,7 @@
             <p:spPr>
               <a:xfrm>
                 <a:off x="1317257" y="2132652"/>
-                <a:ext cx="3761195" cy="507831"/>
+                <a:ext cx="3949465" cy="507831"/>
               </a:xfrm>
               <a:prstGeom prst="rect">
                 <a:avLst/>
@@ -2354,7 +2338,7 @@
                   <a:buAutoNum type="arabicPeriod"/>
                 </a:pPr>
                 <a:r>
-                  <a:rPr lang="en-US" altLang="zh-CN" sz="1200" dirty="0">
+                  <a:rPr lang="en-US" altLang="zh-CN" sz="1400" dirty="0">
                     <a:solidFill>
                       <a:srgbClr val="000000"/>
                     </a:solidFill>
@@ -2380,7 +2364,7 @@
                   <a:buAutoNum type="arabicPeriod"/>
                 </a:pPr>
                 <a:r>
-                  <a:rPr lang="en-US" altLang="zh-CN" sz="1200" dirty="0">
+                  <a:rPr lang="en-US" altLang="zh-CN" sz="1400" dirty="0">
                     <a:solidFill>
                       <a:srgbClr val="000000"/>
                     </a:solidFill>
@@ -2391,7 +2375,7 @@
                   </a:rPr>
                   <a:t>Enables to detect obstacles or any other situation while moving</a:t>
                 </a:r>
-                <a:endParaRPr lang="zh-CN" altLang="en-US" sz="1200" dirty="0">
+                <a:endParaRPr lang="zh-CN" altLang="en-US" sz="1400" dirty="0">
                   <a:solidFill>
                     <a:srgbClr val="000000"/>
                   </a:solidFill>
@@ -2426,7 +2410,7 @@
             </p:spPr>
             <p:txBody>
               <a:bodyPr wrap="none" lIns="0" tIns="0" rIns="0" bIns="0">
-                <a:normAutofit/>
+                <a:noAutofit/>
               </a:bodyPr>
               <a:lstStyle/>
               <a:p>
@@ -2439,7 +2423,7 @@
                   </a:spcAft>
                 </a:pPr>
                 <a:r>
-                  <a:rPr lang="en-US" altLang="zh-CN" sz="2000" b="1" dirty="0">
+                  <a:rPr lang="en-US" altLang="zh-CN" sz="2400" b="1" dirty="0">
                     <a:latin typeface="Times New Roman" panose="02020603050405020304" pitchFamily="18" charset="0"/>
                     <a:ea typeface="微软雅黑"/>
                     <a:cs typeface="Times New Roman" panose="02020603050405020304" pitchFamily="18" charset="0"/>
@@ -2447,7 +2431,7 @@
                   </a:rPr>
                   <a:t>Goals</a:t>
                 </a:r>
-                <a:endParaRPr lang="zh-CN" altLang="en-US" sz="2000" b="1" dirty="0">
+                <a:endParaRPr lang="zh-CN" altLang="en-US" sz="2400" b="1" dirty="0">
                   <a:latin typeface="Times New Roman" panose="02020603050405020304" pitchFamily="18" charset="0"/>
                   <a:ea typeface="微软雅黑"/>
                   <a:cs typeface="Times New Roman" panose="02020603050405020304" pitchFamily="18" charset="0"/>
@@ -2472,9 +2456,9 @@
           <p:grpSpPr>
             <a:xfrm>
               <a:off x="1193500" y="4139453"/>
-              <a:ext cx="3761195" cy="815608"/>
+              <a:ext cx="3949465" cy="815608"/>
               <a:chOff x="1317257" y="1824875"/>
-              <a:chExt cx="3761195" cy="815608"/>
+              <a:chExt cx="3949465" cy="815608"/>
             </a:xfrm>
           </p:grpSpPr>
           <p:sp>
@@ -2492,7 +2476,7 @@
             <p:spPr>
               <a:xfrm>
                 <a:off x="1317257" y="2132652"/>
-                <a:ext cx="3761195" cy="507831"/>
+                <a:ext cx="3949465" cy="507831"/>
               </a:xfrm>
               <a:prstGeom prst="rect">
                 <a:avLst/>
@@ -2506,10 +2490,13 @@
               <a:lstStyle/>
               <a:p>
                 <a:pPr marL="228600" indent="-228600" algn="l">
+                  <a:lnSpc>
+                    <a:spcPct val="120000"/>
+                  </a:lnSpc>
                   <a:buAutoNum type="arabicPeriod"/>
                 </a:pPr>
                 <a:r>
-                  <a:rPr lang="en-US" altLang="zh-TW" sz="1200" b="0" i="0" dirty="0">
+                  <a:rPr lang="en-US" altLang="zh-TW" sz="1400" b="0" i="0" dirty="0">
                     <a:solidFill>
                       <a:srgbClr val="24292F"/>
                     </a:solidFill>
@@ -2522,10 +2509,13 @@
               </a:p>
               <a:p>
                 <a:pPr marL="228600" indent="-228600" algn="l">
+                  <a:lnSpc>
+                    <a:spcPct val="120000"/>
+                  </a:lnSpc>
                   <a:buAutoNum type="arabicPeriod"/>
                 </a:pPr>
                 <a:r>
-                  <a:rPr lang="en-US" altLang="zh-TW" sz="1200" b="0" i="0" dirty="0">
+                  <a:rPr lang="en-US" altLang="zh-TW" sz="1400" b="0" i="0" dirty="0">
                     <a:solidFill>
                       <a:srgbClr val="24292F"/>
                     </a:solidFill>
@@ -2538,11 +2528,14 @@
               </a:p>
               <a:p>
                 <a:pPr marL="228600" indent="-228600" algn="l">
+                  <a:lnSpc>
+                    <a:spcPct val="120000"/>
+                  </a:lnSpc>
                   <a:buFont typeface="+mj-lt"/>
                   <a:buAutoNum type="arabicPeriod"/>
                 </a:pPr>
                 <a:r>
-                  <a:rPr lang="en-US" altLang="zh-TW" sz="1200" b="0" i="0" dirty="0">
+                  <a:rPr lang="en-US" altLang="zh-TW" sz="1400" b="0" i="0" dirty="0">
                     <a:solidFill>
                       <a:srgbClr val="24292F"/>
                     </a:solidFill>
@@ -2555,11 +2548,14 @@
               </a:p>
               <a:p>
                 <a:pPr marL="228600" indent="-228600" algn="l">
+                  <a:lnSpc>
+                    <a:spcPct val="120000"/>
+                  </a:lnSpc>
                   <a:buFont typeface="+mj-lt"/>
                   <a:buAutoNum type="arabicPeriod"/>
                 </a:pPr>
                 <a:r>
-                  <a:rPr lang="en-US" altLang="zh-TW" sz="1200" b="0" i="0" dirty="0">
+                  <a:rPr lang="en-US" altLang="zh-TW" sz="1400" b="0" i="0" dirty="0">
                     <a:solidFill>
                       <a:srgbClr val="24292F"/>
                     </a:solidFill>
@@ -2567,7 +2563,7 @@
                     <a:latin typeface="Times New Roman" panose="02020603050405020304" pitchFamily="18" charset="0"/>
                     <a:cs typeface="Times New Roman" panose="02020603050405020304" pitchFamily="18" charset="0"/>
                   </a:rPr>
-                  <a:t>Navigation extraction and processing</a:t>
+                  <a:t>Navigation extraction</a:t>
                 </a:r>
               </a:p>
             </p:txBody>
@@ -2595,7 +2591,7 @@
             </p:spPr>
             <p:txBody>
               <a:bodyPr wrap="none" lIns="0" tIns="0" rIns="0" bIns="0">
-                <a:normAutofit/>
+                <a:noAutofit/>
               </a:bodyPr>
               <a:lstStyle/>
               <a:p>
@@ -2608,7 +2604,7 @@
                   </a:spcAft>
                 </a:pPr>
                 <a:r>
-                  <a:rPr lang="en-US" altLang="zh-CN" sz="2000" b="1" dirty="0">
+                  <a:rPr lang="en-US" altLang="zh-CN" sz="2400" b="1" dirty="0">
                     <a:latin typeface="Times New Roman" panose="02020603050405020304" pitchFamily="18" charset="0"/>
                     <a:ea typeface="微软雅黑"/>
                     <a:cs typeface="Times New Roman" panose="02020603050405020304" pitchFamily="18" charset="0"/>
@@ -2616,7 +2612,7 @@
                   </a:rPr>
                   <a:t>Main Functions</a:t>
                 </a:r>
-                <a:endParaRPr lang="zh-CN" altLang="en-US" sz="2000" b="1" dirty="0">
+                <a:endParaRPr lang="zh-CN" altLang="en-US" sz="2400" b="1" dirty="0">
                   <a:latin typeface="Times New Roman" panose="02020603050405020304" pitchFamily="18" charset="0"/>
                   <a:ea typeface="微软雅黑"/>
                   <a:cs typeface="Times New Roman" panose="02020603050405020304" pitchFamily="18" charset="0"/>
@@ -2655,7 +2651,7 @@
         </p:blipFill>
         <p:spPr>
           <a:xfrm>
-            <a:off x="5271616" y="4673727"/>
+            <a:off x="3526704" y="4595014"/>
             <a:ext cx="1800000" cy="1800000"/>
           </a:xfrm>
           <a:prstGeom prst="rect">
@@ -2677,7 +2673,7 @@
         </p:nvSpPr>
         <p:spPr>
           <a:xfrm>
-            <a:off x="8942653" y="5719950"/>
+            <a:off x="5334442" y="4729773"/>
             <a:ext cx="2611176" cy="307777"/>
           </a:xfrm>
           <a:prstGeom prst="rect">
@@ -2686,7 +2682,7 @@
         </p:spPr>
         <p:txBody>
           <a:bodyPr wrap="none" lIns="0" tIns="0" rIns="0" bIns="0">
-            <a:normAutofit/>
+            <a:noAutofit/>
           </a:bodyPr>
           <a:lstStyle/>
           <a:p>
@@ -2699,15 +2695,15 @@
               </a:spcAft>
             </a:pPr>
             <a:r>
-              <a:rPr lang="en-US" altLang="zh-CN" sz="2000" b="1" dirty="0" err="1">
+              <a:rPr lang="en-US" altLang="zh-CN" sz="2400" b="1" dirty="0">
                 <a:latin typeface="Times New Roman" panose="02020603050405020304" pitchFamily="18" charset="0"/>
                 <a:ea typeface="微软雅黑"/>
                 <a:cs typeface="Times New Roman" panose="02020603050405020304" pitchFamily="18" charset="0"/>
                 <a:sym typeface="+mn-lt"/>
               </a:rPr>
-              <a:t>Github</a:t>
+              <a:t>GitHub</a:t>
             </a:r>
-            <a:endParaRPr lang="zh-CN" altLang="en-US" sz="2000" b="1" dirty="0">
+            <a:endParaRPr lang="zh-CN" altLang="en-US" sz="2400" b="1" dirty="0">
               <a:latin typeface="Times New Roman" panose="02020603050405020304" pitchFamily="18" charset="0"/>
               <a:ea typeface="微软雅黑"/>
               <a:cs typeface="Times New Roman" panose="02020603050405020304" pitchFamily="18" charset="0"/>
@@ -2730,8 +2726,8 @@
         </p:nvSpPr>
         <p:spPr>
           <a:xfrm>
-            <a:off x="8942653" y="6027727"/>
-            <a:ext cx="2611176" cy="507831"/>
+            <a:off x="5334442" y="5117736"/>
+            <a:ext cx="3088802" cy="507831"/>
           </a:xfrm>
           <a:prstGeom prst="rect">
             <a:avLst/>
@@ -2756,7 +2752,7 @@
               </a:spcAft>
             </a:pPr>
             <a:r>
-              <a:rPr lang="en-GB" altLang="zh-CN" sz="1200" dirty="0">
+              <a:rPr lang="en-GB" altLang="zh-CN" sz="1400" dirty="0">
                 <a:latin typeface="Times New Roman" panose="02020603050405020304" pitchFamily="18" charset="0"/>
                 <a:ea typeface="微软雅黑"/>
                 <a:cs typeface="Times New Roman" panose="02020603050405020304" pitchFamily="18" charset="0"/>
@@ -2764,7 +2760,7 @@
               </a:rPr>
               <a:t>https://github.com/dxc4598/AI-Smart-Car</a:t>
             </a:r>
-            <a:endParaRPr lang="zh-CN" altLang="en-US" sz="1200" dirty="0">
+            <a:endParaRPr lang="zh-CN" altLang="en-US" sz="1400" dirty="0">
               <a:latin typeface="Times New Roman" panose="02020603050405020304" pitchFamily="18" charset="0"/>
               <a:ea typeface="微软雅黑"/>
               <a:cs typeface="Times New Roman" panose="02020603050405020304" pitchFamily="18" charset="0"/>
@@ -2773,6 +2769,391 @@
           </a:p>
         </p:txBody>
       </p:sp>
+      <p:sp>
+        <p:nvSpPr>
+          <p:cNvPr id="2" name="文字方塊 29">
+            <a:extLst>
+              <a:ext uri="{FF2B5EF4-FFF2-40B4-BE49-F238E27FC236}">
+                <a16:creationId xmlns:a16="http://schemas.microsoft.com/office/drawing/2014/main" id="{025E6091-08E7-6190-B7E4-BDC9281CAAA7}"/>
+              </a:ext>
+            </a:extLst>
+          </p:cNvPr>
+          <p:cNvSpPr txBox="1"/>
+          <p:nvPr/>
+        </p:nvSpPr>
+        <p:spPr>
+          <a:xfrm>
+            <a:off x="4528201" y="299427"/>
+            <a:ext cx="3656173" cy="492443"/>
+          </a:xfrm>
+          <a:prstGeom prst="rect">
+            <a:avLst/>
+          </a:prstGeom>
+          <a:noFill/>
+        </p:spPr>
+        <p:txBody>
+          <a:bodyPr wrap="square" lIns="0" tIns="0" rIns="0" bIns="0" rtlCol="0">
+            <a:spAutoFit/>
+          </a:bodyPr>
+          <a:lstStyle/>
+          <a:p>
+            <a:r>
+              <a:rPr lang="en-US" altLang="zh-TW" sz="3200" b="1" dirty="0">
+                <a:solidFill>
+                  <a:schemeClr val="accent6"/>
+                </a:solidFill>
+                <a:latin typeface="Times New Roman" panose="02020603050405020304" pitchFamily="18" charset="0"/>
+                <a:ea typeface="Microsoft YaHei" panose="020B0503020204020204" pitchFamily="34" charset="-122"/>
+                <a:cs typeface="Times New Roman" panose="02020603050405020304" pitchFamily="18" charset="0"/>
+              </a:rPr>
+              <a:t>Team 15</a:t>
+            </a:r>
+            <a:endParaRPr lang="zh-TW" altLang="en-US" sz="3200" b="1" dirty="0">
+              <a:solidFill>
+                <a:schemeClr val="accent6"/>
+              </a:solidFill>
+              <a:latin typeface="Times New Roman" panose="02020603050405020304" pitchFamily="18" charset="0"/>
+              <a:ea typeface="Microsoft YaHei" panose="020B0503020204020204" pitchFamily="34" charset="-122"/>
+              <a:cs typeface="Times New Roman" panose="02020603050405020304" pitchFamily="18" charset="0"/>
+            </a:endParaRPr>
+          </a:p>
+        </p:txBody>
+      </p:sp>
+      <p:pic>
+        <p:nvPicPr>
+          <p:cNvPr id="1026" name="Picture 2" descr="Image result for tiktok">
+            <a:extLst>
+              <a:ext uri="{FF2B5EF4-FFF2-40B4-BE49-F238E27FC236}">
+                <a16:creationId xmlns:a16="http://schemas.microsoft.com/office/drawing/2014/main" id="{AFD75DA0-4E27-C205-201F-7316E1A24A3F}"/>
+              </a:ext>
+            </a:extLst>
+          </p:cNvPr>
+          <p:cNvPicPr>
+            <a:picLocks noChangeAspect="1" noChangeArrowheads="1"/>
+          </p:cNvPicPr>
+          <p:nvPr/>
+        </p:nvPicPr>
+        <p:blipFill>
+          <a:blip r:embed="rId6">
+            <a:extLst>
+              <a:ext uri="{28A0092B-C50C-407E-A947-70E740481C1C}">
+                <a14:useLocalDpi xmlns:a14="http://schemas.microsoft.com/office/drawing/2010/main" val="0"/>
+              </a:ext>
+            </a:extLst>
+          </a:blip>
+          <a:srcRect/>
+          <a:stretch>
+            <a:fillRect/>
+          </a:stretch>
+        </p:blipFill>
+        <p:spPr bwMode="auto">
+          <a:xfrm>
+            <a:off x="8598822" y="5975753"/>
+            <a:ext cx="479032" cy="540000"/>
+          </a:xfrm>
+          <a:prstGeom prst="rect">
+            <a:avLst/>
+          </a:prstGeom>
+          <a:noFill/>
+          <a:extLst>
+            <a:ext uri="{909E8E84-426E-40DD-AFC4-6F175D3DCCD1}">
+              <a14:hiddenFill xmlns:a14="http://schemas.microsoft.com/office/drawing/2010/main">
+                <a:solidFill>
+                  <a:srgbClr val="FFFFFF"/>
+                </a:solidFill>
+              </a14:hiddenFill>
+            </a:ext>
+          </a:extLst>
+        </p:spPr>
+      </p:pic>
+      <p:pic>
+        <p:nvPicPr>
+          <p:cNvPr id="1028" name="Picture 4" descr="Image result for instagram">
+            <a:extLst>
+              <a:ext uri="{FF2B5EF4-FFF2-40B4-BE49-F238E27FC236}">
+                <a16:creationId xmlns:a16="http://schemas.microsoft.com/office/drawing/2014/main" id="{4283675F-4D23-867F-9C2A-66C5A15C084A}"/>
+              </a:ext>
+            </a:extLst>
+          </p:cNvPr>
+          <p:cNvPicPr>
+            <a:picLocks noChangeAspect="1" noChangeArrowheads="1"/>
+          </p:cNvPicPr>
+          <p:nvPr/>
+        </p:nvPicPr>
+        <p:blipFill>
+          <a:blip r:embed="rId7">
+            <a:extLst>
+              <a:ext uri="{28A0092B-C50C-407E-A947-70E740481C1C}">
+                <a14:useLocalDpi xmlns:a14="http://schemas.microsoft.com/office/drawing/2010/main" val="0"/>
+              </a:ext>
+            </a:extLst>
+          </a:blip>
+          <a:srcRect/>
+          <a:stretch>
+            <a:fillRect/>
+          </a:stretch>
+        </p:blipFill>
+        <p:spPr bwMode="auto">
+          <a:xfrm>
+            <a:off x="6078383" y="5974397"/>
+            <a:ext cx="540000" cy="540000"/>
+          </a:xfrm>
+          <a:prstGeom prst="rect">
+            <a:avLst/>
+          </a:prstGeom>
+          <a:noFill/>
+          <a:extLst>
+            <a:ext uri="{909E8E84-426E-40DD-AFC4-6F175D3DCCD1}">
+              <a14:hiddenFill xmlns:a14="http://schemas.microsoft.com/office/drawing/2010/main">
+                <a:solidFill>
+                  <a:srgbClr val="FFFFFF"/>
+                </a:solidFill>
+              </a14:hiddenFill>
+            </a:ext>
+          </a:extLst>
+        </p:spPr>
+      </p:pic>
+      <p:pic>
+        <p:nvPicPr>
+          <p:cNvPr id="1030" name="Picture 6" descr="Facebook – log in or sign up">
+            <a:extLst>
+              <a:ext uri="{FF2B5EF4-FFF2-40B4-BE49-F238E27FC236}">
+                <a16:creationId xmlns:a16="http://schemas.microsoft.com/office/drawing/2014/main" id="{608EEAD0-5A56-A76F-F943-29039B1284FB}"/>
+              </a:ext>
+            </a:extLst>
+          </p:cNvPr>
+          <p:cNvPicPr>
+            <a:picLocks noChangeAspect="1" noChangeArrowheads="1"/>
+          </p:cNvPicPr>
+          <p:nvPr/>
+        </p:nvPicPr>
+        <p:blipFill>
+          <a:blip r:embed="rId8">
+            <a:extLst>
+              <a:ext uri="{28A0092B-C50C-407E-A947-70E740481C1C}">
+                <a14:useLocalDpi xmlns:a14="http://schemas.microsoft.com/office/drawing/2010/main" val="0"/>
+              </a:ext>
+            </a:extLst>
+          </a:blip>
+          <a:srcRect/>
+          <a:stretch>
+            <a:fillRect/>
+          </a:stretch>
+        </p:blipFill>
+        <p:spPr bwMode="auto">
+          <a:xfrm>
+            <a:off x="5334442" y="5971475"/>
+            <a:ext cx="540000" cy="540000"/>
+          </a:xfrm>
+          <a:prstGeom prst="rect">
+            <a:avLst/>
+          </a:prstGeom>
+          <a:noFill/>
+          <a:extLst>
+            <a:ext uri="{909E8E84-426E-40DD-AFC4-6F175D3DCCD1}">
+              <a14:hiddenFill xmlns:a14="http://schemas.microsoft.com/office/drawing/2010/main">
+                <a:solidFill>
+                  <a:srgbClr val="FFFFFF"/>
+                </a:solidFill>
+              </a14:hiddenFill>
+            </a:ext>
+          </a:extLst>
+        </p:spPr>
+      </p:pic>
+      <p:pic>
+        <p:nvPicPr>
+          <p:cNvPr id="1032" name="Picture 8" descr="YouTube - YouTube">
+            <a:extLst>
+              <a:ext uri="{FF2B5EF4-FFF2-40B4-BE49-F238E27FC236}">
+                <a16:creationId xmlns:a16="http://schemas.microsoft.com/office/drawing/2014/main" id="{6C86653B-EC67-B6AC-28DD-6DBD199F3474}"/>
+              </a:ext>
+            </a:extLst>
+          </p:cNvPr>
+          <p:cNvPicPr>
+            <a:picLocks noChangeAspect="1" noChangeArrowheads="1"/>
+          </p:cNvPicPr>
+          <p:nvPr/>
+        </p:nvPicPr>
+        <p:blipFill>
+          <a:blip r:embed="rId9">
+            <a:extLst>
+              <a:ext uri="{28A0092B-C50C-407E-A947-70E740481C1C}">
+                <a14:useLocalDpi xmlns:a14="http://schemas.microsoft.com/office/drawing/2010/main" val="0"/>
+              </a:ext>
+            </a:extLst>
+          </a:blip>
+          <a:srcRect/>
+          <a:stretch>
+            <a:fillRect/>
+          </a:stretch>
+        </p:blipFill>
+        <p:spPr bwMode="auto">
+          <a:xfrm>
+            <a:off x="7476148" y="5705753"/>
+            <a:ext cx="1080000" cy="1080000"/>
+          </a:xfrm>
+          <a:prstGeom prst="rect">
+            <a:avLst/>
+          </a:prstGeom>
+          <a:noFill/>
+          <a:extLst>
+            <a:ext uri="{909E8E84-426E-40DD-AFC4-6F175D3DCCD1}">
+              <a14:hiddenFill xmlns:a14="http://schemas.microsoft.com/office/drawing/2010/main">
+                <a:solidFill>
+                  <a:srgbClr val="FFFFFF"/>
+                </a:solidFill>
+              </a14:hiddenFill>
+            </a:ext>
+          </a:extLst>
+        </p:spPr>
+      </p:pic>
+      <p:sp>
+        <p:nvSpPr>
+          <p:cNvPr id="3" name="Rectangle 66">
+            <a:extLst>
+              <a:ext uri="{FF2B5EF4-FFF2-40B4-BE49-F238E27FC236}">
+                <a16:creationId xmlns:a16="http://schemas.microsoft.com/office/drawing/2014/main" id="{3C75788B-7504-F86B-E5BD-63DC09211540}"/>
+              </a:ext>
+            </a:extLst>
+          </p:cNvPr>
+          <p:cNvSpPr/>
+          <p:nvPr/>
+        </p:nvSpPr>
+        <p:spPr>
+          <a:xfrm>
+            <a:off x="5334442" y="5525717"/>
+            <a:ext cx="2611176" cy="307777"/>
+          </a:xfrm>
+          <a:prstGeom prst="rect">
+            <a:avLst/>
+          </a:prstGeom>
+        </p:spPr>
+        <p:txBody>
+          <a:bodyPr wrap="none" lIns="0" tIns="0" rIns="0" bIns="0">
+            <a:noAutofit/>
+          </a:bodyPr>
+          <a:lstStyle/>
+          <a:p>
+            <a:pPr defTabSz="1219170" fontAlgn="base">
+              <a:spcBef>
+                <a:spcPct val="0"/>
+              </a:spcBef>
+              <a:spcAft>
+                <a:spcPct val="0"/>
+              </a:spcAft>
+            </a:pPr>
+            <a:r>
+              <a:rPr lang="en-US" altLang="zh-CN" sz="2400" b="1" dirty="0">
+                <a:latin typeface="Times New Roman" panose="02020603050405020304" pitchFamily="18" charset="0"/>
+                <a:ea typeface="微软雅黑"/>
+                <a:cs typeface="Times New Roman" panose="02020603050405020304" pitchFamily="18" charset="0"/>
+                <a:sym typeface="+mn-lt"/>
+              </a:rPr>
+              <a:t>Find Us</a:t>
+            </a:r>
+            <a:endParaRPr lang="zh-CN" altLang="en-US" sz="2400" b="1" dirty="0">
+              <a:latin typeface="Times New Roman" panose="02020603050405020304" pitchFamily="18" charset="0"/>
+              <a:ea typeface="微软雅黑"/>
+              <a:cs typeface="Times New Roman" panose="02020603050405020304" pitchFamily="18" charset="0"/>
+              <a:sym typeface="+mn-lt"/>
+            </a:endParaRPr>
+          </a:p>
+        </p:txBody>
+      </p:sp>
+      <p:pic>
+        <p:nvPicPr>
+          <p:cNvPr id="1034" name="Picture 10" descr="Twitter - Wikipedia">
+            <a:extLst>
+              <a:ext uri="{FF2B5EF4-FFF2-40B4-BE49-F238E27FC236}">
+                <a16:creationId xmlns:a16="http://schemas.microsoft.com/office/drawing/2014/main" id="{885CA0FC-C1EF-D665-1DEB-3C0F37506326}"/>
+              </a:ext>
+            </a:extLst>
+          </p:cNvPr>
+          <p:cNvPicPr>
+            <a:picLocks noChangeAspect="1" noChangeArrowheads="1"/>
+          </p:cNvPicPr>
+          <p:nvPr/>
+        </p:nvPicPr>
+        <p:blipFill>
+          <a:blip r:embed="rId10">
+            <a:extLst>
+              <a:ext uri="{28A0092B-C50C-407E-A947-70E740481C1C}">
+                <a14:useLocalDpi xmlns:a14="http://schemas.microsoft.com/office/drawing/2010/main" val="0"/>
+              </a:ext>
+            </a:extLst>
+          </a:blip>
+          <a:srcRect/>
+          <a:stretch>
+            <a:fillRect/>
+          </a:stretch>
+        </p:blipFill>
+        <p:spPr bwMode="auto">
+          <a:xfrm>
+            <a:off x="6822324" y="5968174"/>
+            <a:ext cx="653824" cy="540000"/>
+          </a:xfrm>
+          <a:prstGeom prst="rect">
+            <a:avLst/>
+          </a:prstGeom>
+          <a:noFill/>
+          <a:extLst>
+            <a:ext uri="{909E8E84-426E-40DD-AFC4-6F175D3DCCD1}">
+              <a14:hiddenFill xmlns:a14="http://schemas.microsoft.com/office/drawing/2010/main">
+                <a:solidFill>
+                  <a:srgbClr val="FFFFFF"/>
+                </a:solidFill>
+              </a14:hiddenFill>
+            </a:ext>
+          </a:extLst>
+        </p:spPr>
+      </p:pic>
+      <p:pic>
+        <p:nvPicPr>
+          <p:cNvPr id="1036" name="Picture 12">
+            <a:extLst>
+              <a:ext uri="{FF2B5EF4-FFF2-40B4-BE49-F238E27FC236}">
+                <a16:creationId xmlns:a16="http://schemas.microsoft.com/office/drawing/2014/main" id="{8766B04D-AC88-45D2-28DA-C194886BAE06}"/>
+              </a:ext>
+            </a:extLst>
+          </p:cNvPr>
+          <p:cNvPicPr>
+            <a:picLocks noChangeAspect="1" noChangeArrowheads="1"/>
+          </p:cNvPicPr>
+          <p:nvPr/>
+        </p:nvPicPr>
+        <p:blipFill>
+          <a:blip r:embed="rId11">
+            <a:extLst>
+              <a:ext uri="{28A0092B-C50C-407E-A947-70E740481C1C}">
+                <a14:useLocalDpi xmlns:a14="http://schemas.microsoft.com/office/drawing/2010/main" val="0"/>
+              </a:ext>
+            </a:extLst>
+          </a:blip>
+          <a:srcRect/>
+          <a:stretch>
+            <a:fillRect/>
+          </a:stretch>
+        </p:blipFill>
+        <p:spPr bwMode="auto">
+          <a:xfrm>
+            <a:off x="9786067" y="5345753"/>
+            <a:ext cx="1401974" cy="1260000"/>
+          </a:xfrm>
+          <a:prstGeom prst="rect">
+            <a:avLst/>
+          </a:prstGeom>
+          <a:noFill/>
+          <a:extLst>
+            <a:ext uri="{909E8E84-426E-40DD-AFC4-6F175D3DCCD1}">
+              <a14:hiddenFill xmlns:a14="http://schemas.microsoft.com/office/drawing/2010/main">
+                <a:solidFill>
+                  <a:srgbClr val="FFFFFF"/>
+                </a:solidFill>
+              </a14:hiddenFill>
+            </a:ext>
+          </a:extLst>
+        </p:spPr>
+      </p:pic>
     </p:spTree>
   </p:cSld>
   <p:clrMapOvr>
